--- a/makeStudentList/ppt_master/master_42.pptx
+++ b/makeStudentList/ppt_master/master_42.pptx
@@ -113,7 +113,7 @@
 </file>
 
 <file path=ppt/slideLayouts/slideLayout1.xml><?xml version="1.0" encoding="utf-8"?>
-<p:sldLayout xmlns:a="http://schemas.openxmlformats.org/drawingml/2006/main" xmlns:r="http://schemas.openxmlformats.org/officeDocument/2006/relationships" xmlns:p="http://schemas.openxmlformats.org/presentationml/2006/main" type="title" preserve="1">
+<p:sldLayout xmlns:a="http://schemas.openxmlformats.org/drawingml/2006/main" xmlns:r="http://schemas.openxmlformats.org/officeDocument/2006/relationships" xmlns:p="http://schemas.openxmlformats.org/presentationml/2006/main" preserve="1" userDrawn="1">
   <p:cSld name="제목 슬라이드">
     <p:spTree>
       <p:nvGrpSpPr>
@@ -129,2282 +129,10 @@
           <a:chExt cx="0" cy="0"/>
         </a:xfrm>
       </p:grpSpPr>
-      <p:sp>
-        <p:nvSpPr>
-          <p:cNvPr id="2" name="Title 1"/>
-          <p:cNvSpPr>
-            <a:spLocks noGrp="1"/>
-          </p:cNvSpPr>
-          <p:nvPr>
-            <p:ph type="ctrTitle"/>
-          </p:nvPr>
-        </p:nvSpPr>
-        <p:spPr>
-          <a:xfrm>
-            <a:off x="742950" y="1122363"/>
-            <a:ext cx="8420100" cy="2387600"/>
-          </a:xfrm>
-        </p:spPr>
-        <p:txBody>
-          <a:bodyPr anchor="b"/>
-          <a:lstStyle>
-            <a:lvl1pPr algn="ctr">
-              <a:defRPr sz="6000"/>
-            </a:lvl1pPr>
-          </a:lstStyle>
-          <a:p>
-            <a:r>
-              <a:rPr lang="ko-KR" altLang="en-US" smtClean="0"/>
-              <a:t>마스터 제목 스타일 편집</a:t>
-            </a:r>
-            <a:endParaRPr lang="en-US" dirty="0"/>
-          </a:p>
-        </p:txBody>
-      </p:sp>
-      <p:sp>
-        <p:nvSpPr>
-          <p:cNvPr id="3" name="Subtitle 2"/>
-          <p:cNvSpPr>
-            <a:spLocks noGrp="1"/>
-          </p:cNvSpPr>
-          <p:nvPr>
-            <p:ph type="subTitle" idx="1"/>
-          </p:nvPr>
-        </p:nvSpPr>
-        <p:spPr>
-          <a:xfrm>
-            <a:off x="1238250" y="3602038"/>
-            <a:ext cx="7429500" cy="1655762"/>
-          </a:xfrm>
-        </p:spPr>
-        <p:txBody>
-          <a:bodyPr/>
-          <a:lstStyle>
-            <a:lvl1pPr marL="0" indent="0" algn="ctr">
-              <a:buNone/>
-              <a:defRPr sz="2400"/>
-            </a:lvl1pPr>
-            <a:lvl2pPr marL="457200" indent="0" algn="ctr">
-              <a:buNone/>
-              <a:defRPr sz="2000"/>
-            </a:lvl2pPr>
-            <a:lvl3pPr marL="914400" indent="0" algn="ctr">
-              <a:buNone/>
-              <a:defRPr sz="1800"/>
-            </a:lvl3pPr>
-            <a:lvl4pPr marL="1371600" indent="0" algn="ctr">
-              <a:buNone/>
-              <a:defRPr sz="1600"/>
-            </a:lvl4pPr>
-            <a:lvl5pPr marL="1828800" indent="0" algn="ctr">
-              <a:buNone/>
-              <a:defRPr sz="1600"/>
-            </a:lvl5pPr>
-            <a:lvl6pPr marL="2286000" indent="0" algn="ctr">
-              <a:buNone/>
-              <a:defRPr sz="1600"/>
-            </a:lvl6pPr>
-            <a:lvl7pPr marL="2743200" indent="0" algn="ctr">
-              <a:buNone/>
-              <a:defRPr sz="1600"/>
-            </a:lvl7pPr>
-            <a:lvl8pPr marL="3200400" indent="0" algn="ctr">
-              <a:buNone/>
-              <a:defRPr sz="1600"/>
-            </a:lvl8pPr>
-            <a:lvl9pPr marL="3657600" indent="0" algn="ctr">
-              <a:buNone/>
-              <a:defRPr sz="1600"/>
-            </a:lvl9pPr>
-          </a:lstStyle>
-          <a:p>
-            <a:r>
-              <a:rPr lang="ko-KR" altLang="en-US" smtClean="0"/>
-              <a:t>클릭하여 마스터 부제목 스타일 편집</a:t>
-            </a:r>
-            <a:endParaRPr lang="en-US" dirty="0"/>
-          </a:p>
-        </p:txBody>
-      </p:sp>
-      <p:sp>
-        <p:nvSpPr>
-          <p:cNvPr id="4" name="Date Placeholder 3"/>
-          <p:cNvSpPr>
-            <a:spLocks noGrp="1"/>
-          </p:cNvSpPr>
-          <p:nvPr>
-            <p:ph type="dt" sz="half" idx="10"/>
-          </p:nvPr>
-        </p:nvSpPr>
-        <p:spPr/>
-        <p:txBody>
-          <a:bodyPr/>
-          <a:lstStyle/>
-          <a:p>
-            <a:fld id="{6AC0F0B2-DC44-4D7F-B9BC-23EB46679998}" type="datetimeFigureOut">
-              <a:rPr lang="ko-KR" altLang="en-US" smtClean="0"/>
-              <a:t>2020-11-11</a:t>
-            </a:fld>
-            <a:endParaRPr lang="ko-KR" altLang="en-US"/>
-          </a:p>
-        </p:txBody>
-      </p:sp>
-      <p:sp>
-        <p:nvSpPr>
-          <p:cNvPr id="5" name="Footer Placeholder 4"/>
-          <p:cNvSpPr>
-            <a:spLocks noGrp="1"/>
-          </p:cNvSpPr>
-          <p:nvPr>
-            <p:ph type="ftr" sz="quarter" idx="11"/>
-          </p:nvPr>
-        </p:nvSpPr>
-        <p:spPr/>
-        <p:txBody>
-          <a:bodyPr/>
-          <a:lstStyle/>
-          <a:p>
-            <a:endParaRPr lang="ko-KR" altLang="en-US"/>
-          </a:p>
-        </p:txBody>
-      </p:sp>
-      <p:sp>
-        <p:nvSpPr>
-          <p:cNvPr id="6" name="Slide Number Placeholder 5"/>
-          <p:cNvSpPr>
-            <a:spLocks noGrp="1"/>
-          </p:cNvSpPr>
-          <p:nvPr>
-            <p:ph type="sldNum" sz="quarter" idx="12"/>
-          </p:nvPr>
-        </p:nvSpPr>
-        <p:spPr/>
-        <p:txBody>
-          <a:bodyPr/>
-          <a:lstStyle/>
-          <a:p>
-            <a:fld id="{8BF5F6E0-E4C1-4D32-8605-C37E4FBD9F94}" type="slidenum">
-              <a:rPr lang="ko-KR" altLang="en-US" smtClean="0"/>
-              <a:t>‹#›</a:t>
-            </a:fld>
-            <a:endParaRPr lang="ko-KR" altLang="en-US"/>
-          </a:p>
-        </p:txBody>
-      </p:sp>
     </p:spTree>
     <p:extLst>
       <p:ext uri="{BB962C8B-B14F-4D97-AF65-F5344CB8AC3E}">
         <p14:creationId xmlns:p14="http://schemas.microsoft.com/office/powerpoint/2010/main" val="274830071"/>
-      </p:ext>
-    </p:extLst>
-  </p:cSld>
-  <p:clrMapOvr>
-    <a:masterClrMapping/>
-  </p:clrMapOvr>
-</p:sldLayout>
-</file>
-
-<file path=ppt/slideLayouts/slideLayout10.xml><?xml version="1.0" encoding="utf-8"?>
-<p:sldLayout xmlns:a="http://schemas.openxmlformats.org/drawingml/2006/main" xmlns:r="http://schemas.openxmlformats.org/officeDocument/2006/relationships" xmlns:p="http://schemas.openxmlformats.org/presentationml/2006/main" type="vertTx" preserve="1">
-  <p:cSld name="제목 및 세로 텍스트">
-    <p:spTree>
-      <p:nvGrpSpPr>
-        <p:cNvPr id="1" name=""/>
-        <p:cNvGrpSpPr/>
-        <p:nvPr/>
-      </p:nvGrpSpPr>
-      <p:grpSpPr>
-        <a:xfrm>
-          <a:off x="0" y="0"/>
-          <a:ext cx="0" cy="0"/>
-          <a:chOff x="0" y="0"/>
-          <a:chExt cx="0" cy="0"/>
-        </a:xfrm>
-      </p:grpSpPr>
-      <p:sp>
-        <p:nvSpPr>
-          <p:cNvPr id="2" name="Title 1"/>
-          <p:cNvSpPr>
-            <a:spLocks noGrp="1"/>
-          </p:cNvSpPr>
-          <p:nvPr>
-            <p:ph type="title"/>
-          </p:nvPr>
-        </p:nvSpPr>
-        <p:spPr/>
-        <p:txBody>
-          <a:bodyPr/>
-          <a:lstStyle/>
-          <a:p>
-            <a:r>
-              <a:rPr lang="ko-KR" altLang="en-US" smtClean="0"/>
-              <a:t>마스터 제목 스타일 편집</a:t>
-            </a:r>
-            <a:endParaRPr lang="en-US" dirty="0"/>
-          </a:p>
-        </p:txBody>
-      </p:sp>
-      <p:sp>
-        <p:nvSpPr>
-          <p:cNvPr id="3" name="Vertical Text Placeholder 2"/>
-          <p:cNvSpPr>
-            <a:spLocks noGrp="1"/>
-          </p:cNvSpPr>
-          <p:nvPr>
-            <p:ph type="body" orient="vert" idx="1"/>
-          </p:nvPr>
-        </p:nvSpPr>
-        <p:spPr/>
-        <p:txBody>
-          <a:bodyPr vert="eaVert"/>
-          <a:lstStyle/>
-          <a:p>
-            <a:pPr lvl="0"/>
-            <a:r>
-              <a:rPr lang="ko-KR" altLang="en-US" smtClean="0"/>
-              <a:t>마스터 텍스트 스타일 편집</a:t>
-            </a:r>
-          </a:p>
-          <a:p>
-            <a:pPr lvl="1"/>
-            <a:r>
-              <a:rPr lang="ko-KR" altLang="en-US" smtClean="0"/>
-              <a:t>둘째 수준</a:t>
-            </a:r>
-          </a:p>
-          <a:p>
-            <a:pPr lvl="2"/>
-            <a:r>
-              <a:rPr lang="ko-KR" altLang="en-US" smtClean="0"/>
-              <a:t>셋째 수준</a:t>
-            </a:r>
-          </a:p>
-          <a:p>
-            <a:pPr lvl="3"/>
-            <a:r>
-              <a:rPr lang="ko-KR" altLang="en-US" smtClean="0"/>
-              <a:t>넷째 수준</a:t>
-            </a:r>
-          </a:p>
-          <a:p>
-            <a:pPr lvl="4"/>
-            <a:r>
-              <a:rPr lang="ko-KR" altLang="en-US" smtClean="0"/>
-              <a:t>다섯째 수준</a:t>
-            </a:r>
-            <a:endParaRPr lang="en-US" dirty="0"/>
-          </a:p>
-        </p:txBody>
-      </p:sp>
-      <p:sp>
-        <p:nvSpPr>
-          <p:cNvPr id="4" name="Date Placeholder 3"/>
-          <p:cNvSpPr>
-            <a:spLocks noGrp="1"/>
-          </p:cNvSpPr>
-          <p:nvPr>
-            <p:ph type="dt" sz="half" idx="10"/>
-          </p:nvPr>
-        </p:nvSpPr>
-        <p:spPr/>
-        <p:txBody>
-          <a:bodyPr/>
-          <a:lstStyle/>
-          <a:p>
-            <a:fld id="{6AC0F0B2-DC44-4D7F-B9BC-23EB46679998}" type="datetimeFigureOut">
-              <a:rPr lang="ko-KR" altLang="en-US" smtClean="0"/>
-              <a:t>2020-11-11</a:t>
-            </a:fld>
-            <a:endParaRPr lang="ko-KR" altLang="en-US"/>
-          </a:p>
-        </p:txBody>
-      </p:sp>
-      <p:sp>
-        <p:nvSpPr>
-          <p:cNvPr id="5" name="Footer Placeholder 4"/>
-          <p:cNvSpPr>
-            <a:spLocks noGrp="1"/>
-          </p:cNvSpPr>
-          <p:nvPr>
-            <p:ph type="ftr" sz="quarter" idx="11"/>
-          </p:nvPr>
-        </p:nvSpPr>
-        <p:spPr/>
-        <p:txBody>
-          <a:bodyPr/>
-          <a:lstStyle/>
-          <a:p>
-            <a:endParaRPr lang="ko-KR" altLang="en-US"/>
-          </a:p>
-        </p:txBody>
-      </p:sp>
-      <p:sp>
-        <p:nvSpPr>
-          <p:cNvPr id="6" name="Slide Number Placeholder 5"/>
-          <p:cNvSpPr>
-            <a:spLocks noGrp="1"/>
-          </p:cNvSpPr>
-          <p:nvPr>
-            <p:ph type="sldNum" sz="quarter" idx="12"/>
-          </p:nvPr>
-        </p:nvSpPr>
-        <p:spPr/>
-        <p:txBody>
-          <a:bodyPr/>
-          <a:lstStyle/>
-          <a:p>
-            <a:fld id="{8BF5F6E0-E4C1-4D32-8605-C37E4FBD9F94}" type="slidenum">
-              <a:rPr lang="ko-KR" altLang="en-US" smtClean="0"/>
-              <a:t>‹#›</a:t>
-            </a:fld>
-            <a:endParaRPr lang="ko-KR" altLang="en-US"/>
-          </a:p>
-        </p:txBody>
-      </p:sp>
-    </p:spTree>
-    <p:extLst>
-      <p:ext uri="{BB962C8B-B14F-4D97-AF65-F5344CB8AC3E}">
-        <p14:creationId xmlns:p14="http://schemas.microsoft.com/office/powerpoint/2010/main" val="625412055"/>
-      </p:ext>
-    </p:extLst>
-  </p:cSld>
-  <p:clrMapOvr>
-    <a:masterClrMapping/>
-  </p:clrMapOvr>
-</p:sldLayout>
-</file>
-
-<file path=ppt/slideLayouts/slideLayout11.xml><?xml version="1.0" encoding="utf-8"?>
-<p:sldLayout xmlns:a="http://schemas.openxmlformats.org/drawingml/2006/main" xmlns:r="http://schemas.openxmlformats.org/officeDocument/2006/relationships" xmlns:p="http://schemas.openxmlformats.org/presentationml/2006/main" type="vertTitleAndTx" preserve="1">
-  <p:cSld name="세로 제목 및 텍스트">
-    <p:spTree>
-      <p:nvGrpSpPr>
-        <p:cNvPr id="1" name=""/>
-        <p:cNvGrpSpPr/>
-        <p:nvPr/>
-      </p:nvGrpSpPr>
-      <p:grpSpPr>
-        <a:xfrm>
-          <a:off x="0" y="0"/>
-          <a:ext cx="0" cy="0"/>
-          <a:chOff x="0" y="0"/>
-          <a:chExt cx="0" cy="0"/>
-        </a:xfrm>
-      </p:grpSpPr>
-      <p:sp>
-        <p:nvSpPr>
-          <p:cNvPr id="2" name="Vertical Title 1"/>
-          <p:cNvSpPr>
-            <a:spLocks noGrp="1"/>
-          </p:cNvSpPr>
-          <p:nvPr>
-            <p:ph type="title" orient="vert"/>
-          </p:nvPr>
-        </p:nvSpPr>
-        <p:spPr>
-          <a:xfrm>
-            <a:off x="7088982" y="365125"/>
-            <a:ext cx="2135981" cy="5811838"/>
-          </a:xfrm>
-        </p:spPr>
-        <p:txBody>
-          <a:bodyPr vert="eaVert"/>
-          <a:lstStyle/>
-          <a:p>
-            <a:r>
-              <a:rPr lang="ko-KR" altLang="en-US" smtClean="0"/>
-              <a:t>마스터 제목 스타일 편집</a:t>
-            </a:r>
-            <a:endParaRPr lang="en-US" dirty="0"/>
-          </a:p>
-        </p:txBody>
-      </p:sp>
-      <p:sp>
-        <p:nvSpPr>
-          <p:cNvPr id="3" name="Vertical Text Placeholder 2"/>
-          <p:cNvSpPr>
-            <a:spLocks noGrp="1"/>
-          </p:cNvSpPr>
-          <p:nvPr>
-            <p:ph type="body" orient="vert" idx="1"/>
-          </p:nvPr>
-        </p:nvSpPr>
-        <p:spPr>
-          <a:xfrm>
-            <a:off x="681038" y="365125"/>
-            <a:ext cx="6284119" cy="5811838"/>
-          </a:xfrm>
-        </p:spPr>
-        <p:txBody>
-          <a:bodyPr vert="eaVert"/>
-          <a:lstStyle/>
-          <a:p>
-            <a:pPr lvl="0"/>
-            <a:r>
-              <a:rPr lang="ko-KR" altLang="en-US" smtClean="0"/>
-              <a:t>마스터 텍스트 스타일 편집</a:t>
-            </a:r>
-          </a:p>
-          <a:p>
-            <a:pPr lvl="1"/>
-            <a:r>
-              <a:rPr lang="ko-KR" altLang="en-US" smtClean="0"/>
-              <a:t>둘째 수준</a:t>
-            </a:r>
-          </a:p>
-          <a:p>
-            <a:pPr lvl="2"/>
-            <a:r>
-              <a:rPr lang="ko-KR" altLang="en-US" smtClean="0"/>
-              <a:t>셋째 수준</a:t>
-            </a:r>
-          </a:p>
-          <a:p>
-            <a:pPr lvl="3"/>
-            <a:r>
-              <a:rPr lang="ko-KR" altLang="en-US" smtClean="0"/>
-              <a:t>넷째 수준</a:t>
-            </a:r>
-          </a:p>
-          <a:p>
-            <a:pPr lvl="4"/>
-            <a:r>
-              <a:rPr lang="ko-KR" altLang="en-US" smtClean="0"/>
-              <a:t>다섯째 수준</a:t>
-            </a:r>
-            <a:endParaRPr lang="en-US" dirty="0"/>
-          </a:p>
-        </p:txBody>
-      </p:sp>
-      <p:sp>
-        <p:nvSpPr>
-          <p:cNvPr id="4" name="Date Placeholder 3"/>
-          <p:cNvSpPr>
-            <a:spLocks noGrp="1"/>
-          </p:cNvSpPr>
-          <p:nvPr>
-            <p:ph type="dt" sz="half" idx="10"/>
-          </p:nvPr>
-        </p:nvSpPr>
-        <p:spPr/>
-        <p:txBody>
-          <a:bodyPr/>
-          <a:lstStyle/>
-          <a:p>
-            <a:fld id="{6AC0F0B2-DC44-4D7F-B9BC-23EB46679998}" type="datetimeFigureOut">
-              <a:rPr lang="ko-KR" altLang="en-US" smtClean="0"/>
-              <a:t>2020-11-11</a:t>
-            </a:fld>
-            <a:endParaRPr lang="ko-KR" altLang="en-US"/>
-          </a:p>
-        </p:txBody>
-      </p:sp>
-      <p:sp>
-        <p:nvSpPr>
-          <p:cNvPr id="5" name="Footer Placeholder 4"/>
-          <p:cNvSpPr>
-            <a:spLocks noGrp="1"/>
-          </p:cNvSpPr>
-          <p:nvPr>
-            <p:ph type="ftr" sz="quarter" idx="11"/>
-          </p:nvPr>
-        </p:nvSpPr>
-        <p:spPr/>
-        <p:txBody>
-          <a:bodyPr/>
-          <a:lstStyle/>
-          <a:p>
-            <a:endParaRPr lang="ko-KR" altLang="en-US"/>
-          </a:p>
-        </p:txBody>
-      </p:sp>
-      <p:sp>
-        <p:nvSpPr>
-          <p:cNvPr id="6" name="Slide Number Placeholder 5"/>
-          <p:cNvSpPr>
-            <a:spLocks noGrp="1"/>
-          </p:cNvSpPr>
-          <p:nvPr>
-            <p:ph type="sldNum" sz="quarter" idx="12"/>
-          </p:nvPr>
-        </p:nvSpPr>
-        <p:spPr/>
-        <p:txBody>
-          <a:bodyPr/>
-          <a:lstStyle/>
-          <a:p>
-            <a:fld id="{8BF5F6E0-E4C1-4D32-8605-C37E4FBD9F94}" type="slidenum">
-              <a:rPr lang="ko-KR" altLang="en-US" smtClean="0"/>
-              <a:t>‹#›</a:t>
-            </a:fld>
-            <a:endParaRPr lang="ko-KR" altLang="en-US"/>
-          </a:p>
-        </p:txBody>
-      </p:sp>
-    </p:spTree>
-    <p:extLst>
-      <p:ext uri="{BB962C8B-B14F-4D97-AF65-F5344CB8AC3E}">
-        <p14:creationId xmlns:p14="http://schemas.microsoft.com/office/powerpoint/2010/main" val="3821692643"/>
-      </p:ext>
-    </p:extLst>
-  </p:cSld>
-  <p:clrMapOvr>
-    <a:masterClrMapping/>
-  </p:clrMapOvr>
-</p:sldLayout>
-</file>
-
-<file path=ppt/slideLayouts/slideLayout2.xml><?xml version="1.0" encoding="utf-8"?>
-<p:sldLayout xmlns:a="http://schemas.openxmlformats.org/drawingml/2006/main" xmlns:r="http://schemas.openxmlformats.org/officeDocument/2006/relationships" xmlns:p="http://schemas.openxmlformats.org/presentationml/2006/main" type="obj" preserve="1">
-  <p:cSld name="제목 및 내용">
-    <p:spTree>
-      <p:nvGrpSpPr>
-        <p:cNvPr id="1" name=""/>
-        <p:cNvGrpSpPr/>
-        <p:nvPr/>
-      </p:nvGrpSpPr>
-      <p:grpSpPr>
-        <a:xfrm>
-          <a:off x="0" y="0"/>
-          <a:ext cx="0" cy="0"/>
-          <a:chOff x="0" y="0"/>
-          <a:chExt cx="0" cy="0"/>
-        </a:xfrm>
-      </p:grpSpPr>
-      <p:sp>
-        <p:nvSpPr>
-          <p:cNvPr id="2" name="Title 1"/>
-          <p:cNvSpPr>
-            <a:spLocks noGrp="1"/>
-          </p:cNvSpPr>
-          <p:nvPr>
-            <p:ph type="title"/>
-          </p:nvPr>
-        </p:nvSpPr>
-        <p:spPr/>
-        <p:txBody>
-          <a:bodyPr/>
-          <a:lstStyle/>
-          <a:p>
-            <a:r>
-              <a:rPr lang="ko-KR" altLang="en-US" smtClean="0"/>
-              <a:t>마스터 제목 스타일 편집</a:t>
-            </a:r>
-            <a:endParaRPr lang="en-US" dirty="0"/>
-          </a:p>
-        </p:txBody>
-      </p:sp>
-      <p:sp>
-        <p:nvSpPr>
-          <p:cNvPr id="3" name="Content Placeholder 2"/>
-          <p:cNvSpPr>
-            <a:spLocks noGrp="1"/>
-          </p:cNvSpPr>
-          <p:nvPr>
-            <p:ph idx="1"/>
-          </p:nvPr>
-        </p:nvSpPr>
-        <p:spPr/>
-        <p:txBody>
-          <a:bodyPr/>
-          <a:lstStyle/>
-          <a:p>
-            <a:pPr lvl="0"/>
-            <a:r>
-              <a:rPr lang="ko-KR" altLang="en-US" smtClean="0"/>
-              <a:t>마스터 텍스트 스타일 편집</a:t>
-            </a:r>
-          </a:p>
-          <a:p>
-            <a:pPr lvl="1"/>
-            <a:r>
-              <a:rPr lang="ko-KR" altLang="en-US" smtClean="0"/>
-              <a:t>둘째 수준</a:t>
-            </a:r>
-          </a:p>
-          <a:p>
-            <a:pPr lvl="2"/>
-            <a:r>
-              <a:rPr lang="ko-KR" altLang="en-US" smtClean="0"/>
-              <a:t>셋째 수준</a:t>
-            </a:r>
-          </a:p>
-          <a:p>
-            <a:pPr lvl="3"/>
-            <a:r>
-              <a:rPr lang="ko-KR" altLang="en-US" smtClean="0"/>
-              <a:t>넷째 수준</a:t>
-            </a:r>
-          </a:p>
-          <a:p>
-            <a:pPr lvl="4"/>
-            <a:r>
-              <a:rPr lang="ko-KR" altLang="en-US" smtClean="0"/>
-              <a:t>다섯째 수준</a:t>
-            </a:r>
-            <a:endParaRPr lang="en-US" dirty="0"/>
-          </a:p>
-        </p:txBody>
-      </p:sp>
-      <p:sp>
-        <p:nvSpPr>
-          <p:cNvPr id="4" name="Date Placeholder 3"/>
-          <p:cNvSpPr>
-            <a:spLocks noGrp="1"/>
-          </p:cNvSpPr>
-          <p:nvPr>
-            <p:ph type="dt" sz="half" idx="10"/>
-          </p:nvPr>
-        </p:nvSpPr>
-        <p:spPr/>
-        <p:txBody>
-          <a:bodyPr/>
-          <a:lstStyle/>
-          <a:p>
-            <a:fld id="{6AC0F0B2-DC44-4D7F-B9BC-23EB46679998}" type="datetimeFigureOut">
-              <a:rPr lang="ko-KR" altLang="en-US" smtClean="0"/>
-              <a:t>2020-11-11</a:t>
-            </a:fld>
-            <a:endParaRPr lang="ko-KR" altLang="en-US"/>
-          </a:p>
-        </p:txBody>
-      </p:sp>
-      <p:sp>
-        <p:nvSpPr>
-          <p:cNvPr id="5" name="Footer Placeholder 4"/>
-          <p:cNvSpPr>
-            <a:spLocks noGrp="1"/>
-          </p:cNvSpPr>
-          <p:nvPr>
-            <p:ph type="ftr" sz="quarter" idx="11"/>
-          </p:nvPr>
-        </p:nvSpPr>
-        <p:spPr/>
-        <p:txBody>
-          <a:bodyPr/>
-          <a:lstStyle/>
-          <a:p>
-            <a:endParaRPr lang="ko-KR" altLang="en-US"/>
-          </a:p>
-        </p:txBody>
-      </p:sp>
-      <p:sp>
-        <p:nvSpPr>
-          <p:cNvPr id="6" name="Slide Number Placeholder 5"/>
-          <p:cNvSpPr>
-            <a:spLocks noGrp="1"/>
-          </p:cNvSpPr>
-          <p:nvPr>
-            <p:ph type="sldNum" sz="quarter" idx="12"/>
-          </p:nvPr>
-        </p:nvSpPr>
-        <p:spPr/>
-        <p:txBody>
-          <a:bodyPr/>
-          <a:lstStyle/>
-          <a:p>
-            <a:fld id="{8BF5F6E0-E4C1-4D32-8605-C37E4FBD9F94}" type="slidenum">
-              <a:rPr lang="ko-KR" altLang="en-US" smtClean="0"/>
-              <a:t>‹#›</a:t>
-            </a:fld>
-            <a:endParaRPr lang="ko-KR" altLang="en-US"/>
-          </a:p>
-        </p:txBody>
-      </p:sp>
-    </p:spTree>
-    <p:extLst>
-      <p:ext uri="{BB962C8B-B14F-4D97-AF65-F5344CB8AC3E}">
-        <p14:creationId xmlns:p14="http://schemas.microsoft.com/office/powerpoint/2010/main" val="271917555"/>
-      </p:ext>
-    </p:extLst>
-  </p:cSld>
-  <p:clrMapOvr>
-    <a:masterClrMapping/>
-  </p:clrMapOvr>
-</p:sldLayout>
-</file>
-
-<file path=ppt/slideLayouts/slideLayout3.xml><?xml version="1.0" encoding="utf-8"?>
-<p:sldLayout xmlns:a="http://schemas.openxmlformats.org/drawingml/2006/main" xmlns:r="http://schemas.openxmlformats.org/officeDocument/2006/relationships" xmlns:p="http://schemas.openxmlformats.org/presentationml/2006/main" type="secHead" preserve="1">
-  <p:cSld name="구역 머리글">
-    <p:spTree>
-      <p:nvGrpSpPr>
-        <p:cNvPr id="1" name=""/>
-        <p:cNvGrpSpPr/>
-        <p:nvPr/>
-      </p:nvGrpSpPr>
-      <p:grpSpPr>
-        <a:xfrm>
-          <a:off x="0" y="0"/>
-          <a:ext cx="0" cy="0"/>
-          <a:chOff x="0" y="0"/>
-          <a:chExt cx="0" cy="0"/>
-        </a:xfrm>
-      </p:grpSpPr>
-      <p:sp>
-        <p:nvSpPr>
-          <p:cNvPr id="2" name="Title 1"/>
-          <p:cNvSpPr>
-            <a:spLocks noGrp="1"/>
-          </p:cNvSpPr>
-          <p:nvPr>
-            <p:ph type="title"/>
-          </p:nvPr>
-        </p:nvSpPr>
-        <p:spPr>
-          <a:xfrm>
-            <a:off x="675879" y="1709740"/>
-            <a:ext cx="8543925" cy="2852737"/>
-          </a:xfrm>
-        </p:spPr>
-        <p:txBody>
-          <a:bodyPr anchor="b"/>
-          <a:lstStyle>
-            <a:lvl1pPr>
-              <a:defRPr sz="6000"/>
-            </a:lvl1pPr>
-          </a:lstStyle>
-          <a:p>
-            <a:r>
-              <a:rPr lang="ko-KR" altLang="en-US" smtClean="0"/>
-              <a:t>마스터 제목 스타일 편집</a:t>
-            </a:r>
-            <a:endParaRPr lang="en-US" dirty="0"/>
-          </a:p>
-        </p:txBody>
-      </p:sp>
-      <p:sp>
-        <p:nvSpPr>
-          <p:cNvPr id="3" name="Text Placeholder 2"/>
-          <p:cNvSpPr>
-            <a:spLocks noGrp="1"/>
-          </p:cNvSpPr>
-          <p:nvPr>
-            <p:ph type="body" idx="1"/>
-          </p:nvPr>
-        </p:nvSpPr>
-        <p:spPr>
-          <a:xfrm>
-            <a:off x="675879" y="4589465"/>
-            <a:ext cx="8543925" cy="1500187"/>
-          </a:xfrm>
-        </p:spPr>
-        <p:txBody>
-          <a:bodyPr/>
-          <a:lstStyle>
-            <a:lvl1pPr marL="0" indent="0">
-              <a:buNone/>
-              <a:defRPr sz="2400">
-                <a:solidFill>
-                  <a:schemeClr val="tx1"/>
-                </a:solidFill>
-              </a:defRPr>
-            </a:lvl1pPr>
-            <a:lvl2pPr marL="457200" indent="0">
-              <a:buNone/>
-              <a:defRPr sz="2000">
-                <a:solidFill>
-                  <a:schemeClr val="tx1">
-                    <a:tint val="75000"/>
-                  </a:schemeClr>
-                </a:solidFill>
-              </a:defRPr>
-            </a:lvl2pPr>
-            <a:lvl3pPr marL="914400" indent="0">
-              <a:buNone/>
-              <a:defRPr sz="1800">
-                <a:solidFill>
-                  <a:schemeClr val="tx1">
-                    <a:tint val="75000"/>
-                  </a:schemeClr>
-                </a:solidFill>
-              </a:defRPr>
-            </a:lvl3pPr>
-            <a:lvl4pPr marL="1371600" indent="0">
-              <a:buNone/>
-              <a:defRPr sz="1600">
-                <a:solidFill>
-                  <a:schemeClr val="tx1">
-                    <a:tint val="75000"/>
-                  </a:schemeClr>
-                </a:solidFill>
-              </a:defRPr>
-            </a:lvl4pPr>
-            <a:lvl5pPr marL="1828800" indent="0">
-              <a:buNone/>
-              <a:defRPr sz="1600">
-                <a:solidFill>
-                  <a:schemeClr val="tx1">
-                    <a:tint val="75000"/>
-                  </a:schemeClr>
-                </a:solidFill>
-              </a:defRPr>
-            </a:lvl5pPr>
-            <a:lvl6pPr marL="2286000" indent="0">
-              <a:buNone/>
-              <a:defRPr sz="1600">
-                <a:solidFill>
-                  <a:schemeClr val="tx1">
-                    <a:tint val="75000"/>
-                  </a:schemeClr>
-                </a:solidFill>
-              </a:defRPr>
-            </a:lvl6pPr>
-            <a:lvl7pPr marL="2743200" indent="0">
-              <a:buNone/>
-              <a:defRPr sz="1600">
-                <a:solidFill>
-                  <a:schemeClr val="tx1">
-                    <a:tint val="75000"/>
-                  </a:schemeClr>
-                </a:solidFill>
-              </a:defRPr>
-            </a:lvl7pPr>
-            <a:lvl8pPr marL="3200400" indent="0">
-              <a:buNone/>
-              <a:defRPr sz="1600">
-                <a:solidFill>
-                  <a:schemeClr val="tx1">
-                    <a:tint val="75000"/>
-                  </a:schemeClr>
-                </a:solidFill>
-              </a:defRPr>
-            </a:lvl8pPr>
-            <a:lvl9pPr marL="3657600" indent="0">
-              <a:buNone/>
-              <a:defRPr sz="1600">
-                <a:solidFill>
-                  <a:schemeClr val="tx1">
-                    <a:tint val="75000"/>
-                  </a:schemeClr>
-                </a:solidFill>
-              </a:defRPr>
-            </a:lvl9pPr>
-          </a:lstStyle>
-          <a:p>
-            <a:pPr lvl="0"/>
-            <a:r>
-              <a:rPr lang="ko-KR" altLang="en-US" smtClean="0"/>
-              <a:t>마스터 텍스트 스타일 편집</a:t>
-            </a:r>
-          </a:p>
-        </p:txBody>
-      </p:sp>
-      <p:sp>
-        <p:nvSpPr>
-          <p:cNvPr id="4" name="Date Placeholder 3"/>
-          <p:cNvSpPr>
-            <a:spLocks noGrp="1"/>
-          </p:cNvSpPr>
-          <p:nvPr>
-            <p:ph type="dt" sz="half" idx="10"/>
-          </p:nvPr>
-        </p:nvSpPr>
-        <p:spPr/>
-        <p:txBody>
-          <a:bodyPr/>
-          <a:lstStyle/>
-          <a:p>
-            <a:fld id="{6AC0F0B2-DC44-4D7F-B9BC-23EB46679998}" type="datetimeFigureOut">
-              <a:rPr lang="ko-KR" altLang="en-US" smtClean="0"/>
-              <a:t>2020-11-11</a:t>
-            </a:fld>
-            <a:endParaRPr lang="ko-KR" altLang="en-US"/>
-          </a:p>
-        </p:txBody>
-      </p:sp>
-      <p:sp>
-        <p:nvSpPr>
-          <p:cNvPr id="5" name="Footer Placeholder 4"/>
-          <p:cNvSpPr>
-            <a:spLocks noGrp="1"/>
-          </p:cNvSpPr>
-          <p:nvPr>
-            <p:ph type="ftr" sz="quarter" idx="11"/>
-          </p:nvPr>
-        </p:nvSpPr>
-        <p:spPr/>
-        <p:txBody>
-          <a:bodyPr/>
-          <a:lstStyle/>
-          <a:p>
-            <a:endParaRPr lang="ko-KR" altLang="en-US"/>
-          </a:p>
-        </p:txBody>
-      </p:sp>
-      <p:sp>
-        <p:nvSpPr>
-          <p:cNvPr id="6" name="Slide Number Placeholder 5"/>
-          <p:cNvSpPr>
-            <a:spLocks noGrp="1"/>
-          </p:cNvSpPr>
-          <p:nvPr>
-            <p:ph type="sldNum" sz="quarter" idx="12"/>
-          </p:nvPr>
-        </p:nvSpPr>
-        <p:spPr/>
-        <p:txBody>
-          <a:bodyPr/>
-          <a:lstStyle/>
-          <a:p>
-            <a:fld id="{8BF5F6E0-E4C1-4D32-8605-C37E4FBD9F94}" type="slidenum">
-              <a:rPr lang="ko-KR" altLang="en-US" smtClean="0"/>
-              <a:t>‹#›</a:t>
-            </a:fld>
-            <a:endParaRPr lang="ko-KR" altLang="en-US"/>
-          </a:p>
-        </p:txBody>
-      </p:sp>
-    </p:spTree>
-    <p:extLst>
-      <p:ext uri="{BB962C8B-B14F-4D97-AF65-F5344CB8AC3E}">
-        <p14:creationId xmlns:p14="http://schemas.microsoft.com/office/powerpoint/2010/main" val="352211451"/>
-      </p:ext>
-    </p:extLst>
-  </p:cSld>
-  <p:clrMapOvr>
-    <a:masterClrMapping/>
-  </p:clrMapOvr>
-</p:sldLayout>
-</file>
-
-<file path=ppt/slideLayouts/slideLayout4.xml><?xml version="1.0" encoding="utf-8"?>
-<p:sldLayout xmlns:a="http://schemas.openxmlformats.org/drawingml/2006/main" xmlns:r="http://schemas.openxmlformats.org/officeDocument/2006/relationships" xmlns:p="http://schemas.openxmlformats.org/presentationml/2006/main" type="twoObj" preserve="1">
-  <p:cSld name="콘텐츠 2개">
-    <p:spTree>
-      <p:nvGrpSpPr>
-        <p:cNvPr id="1" name=""/>
-        <p:cNvGrpSpPr/>
-        <p:nvPr/>
-      </p:nvGrpSpPr>
-      <p:grpSpPr>
-        <a:xfrm>
-          <a:off x="0" y="0"/>
-          <a:ext cx="0" cy="0"/>
-          <a:chOff x="0" y="0"/>
-          <a:chExt cx="0" cy="0"/>
-        </a:xfrm>
-      </p:grpSpPr>
-      <p:sp>
-        <p:nvSpPr>
-          <p:cNvPr id="2" name="Title 1"/>
-          <p:cNvSpPr>
-            <a:spLocks noGrp="1"/>
-          </p:cNvSpPr>
-          <p:nvPr>
-            <p:ph type="title"/>
-          </p:nvPr>
-        </p:nvSpPr>
-        <p:spPr/>
-        <p:txBody>
-          <a:bodyPr/>
-          <a:lstStyle/>
-          <a:p>
-            <a:r>
-              <a:rPr lang="ko-KR" altLang="en-US" smtClean="0"/>
-              <a:t>마스터 제목 스타일 편집</a:t>
-            </a:r>
-            <a:endParaRPr lang="en-US" dirty="0"/>
-          </a:p>
-        </p:txBody>
-      </p:sp>
-      <p:sp>
-        <p:nvSpPr>
-          <p:cNvPr id="3" name="Content Placeholder 2"/>
-          <p:cNvSpPr>
-            <a:spLocks noGrp="1"/>
-          </p:cNvSpPr>
-          <p:nvPr>
-            <p:ph sz="half" idx="1"/>
-          </p:nvPr>
-        </p:nvSpPr>
-        <p:spPr>
-          <a:xfrm>
-            <a:off x="681038" y="1825625"/>
-            <a:ext cx="4210050" cy="4351338"/>
-          </a:xfrm>
-        </p:spPr>
-        <p:txBody>
-          <a:bodyPr/>
-          <a:lstStyle/>
-          <a:p>
-            <a:pPr lvl="0"/>
-            <a:r>
-              <a:rPr lang="ko-KR" altLang="en-US" smtClean="0"/>
-              <a:t>마스터 텍스트 스타일 편집</a:t>
-            </a:r>
-          </a:p>
-          <a:p>
-            <a:pPr lvl="1"/>
-            <a:r>
-              <a:rPr lang="ko-KR" altLang="en-US" smtClean="0"/>
-              <a:t>둘째 수준</a:t>
-            </a:r>
-          </a:p>
-          <a:p>
-            <a:pPr lvl="2"/>
-            <a:r>
-              <a:rPr lang="ko-KR" altLang="en-US" smtClean="0"/>
-              <a:t>셋째 수준</a:t>
-            </a:r>
-          </a:p>
-          <a:p>
-            <a:pPr lvl="3"/>
-            <a:r>
-              <a:rPr lang="ko-KR" altLang="en-US" smtClean="0"/>
-              <a:t>넷째 수준</a:t>
-            </a:r>
-          </a:p>
-          <a:p>
-            <a:pPr lvl="4"/>
-            <a:r>
-              <a:rPr lang="ko-KR" altLang="en-US" smtClean="0"/>
-              <a:t>다섯째 수준</a:t>
-            </a:r>
-            <a:endParaRPr lang="en-US" dirty="0"/>
-          </a:p>
-        </p:txBody>
-      </p:sp>
-      <p:sp>
-        <p:nvSpPr>
-          <p:cNvPr id="4" name="Content Placeholder 3"/>
-          <p:cNvSpPr>
-            <a:spLocks noGrp="1"/>
-          </p:cNvSpPr>
-          <p:nvPr>
-            <p:ph sz="half" idx="2"/>
-          </p:nvPr>
-        </p:nvSpPr>
-        <p:spPr>
-          <a:xfrm>
-            <a:off x="5014913" y="1825625"/>
-            <a:ext cx="4210050" cy="4351338"/>
-          </a:xfrm>
-        </p:spPr>
-        <p:txBody>
-          <a:bodyPr/>
-          <a:lstStyle/>
-          <a:p>
-            <a:pPr lvl="0"/>
-            <a:r>
-              <a:rPr lang="ko-KR" altLang="en-US" smtClean="0"/>
-              <a:t>마스터 텍스트 스타일 편집</a:t>
-            </a:r>
-          </a:p>
-          <a:p>
-            <a:pPr lvl="1"/>
-            <a:r>
-              <a:rPr lang="ko-KR" altLang="en-US" smtClean="0"/>
-              <a:t>둘째 수준</a:t>
-            </a:r>
-          </a:p>
-          <a:p>
-            <a:pPr lvl="2"/>
-            <a:r>
-              <a:rPr lang="ko-KR" altLang="en-US" smtClean="0"/>
-              <a:t>셋째 수준</a:t>
-            </a:r>
-          </a:p>
-          <a:p>
-            <a:pPr lvl="3"/>
-            <a:r>
-              <a:rPr lang="ko-KR" altLang="en-US" smtClean="0"/>
-              <a:t>넷째 수준</a:t>
-            </a:r>
-          </a:p>
-          <a:p>
-            <a:pPr lvl="4"/>
-            <a:r>
-              <a:rPr lang="ko-KR" altLang="en-US" smtClean="0"/>
-              <a:t>다섯째 수준</a:t>
-            </a:r>
-            <a:endParaRPr lang="en-US" dirty="0"/>
-          </a:p>
-        </p:txBody>
-      </p:sp>
-      <p:sp>
-        <p:nvSpPr>
-          <p:cNvPr id="5" name="Date Placeholder 4"/>
-          <p:cNvSpPr>
-            <a:spLocks noGrp="1"/>
-          </p:cNvSpPr>
-          <p:nvPr>
-            <p:ph type="dt" sz="half" idx="10"/>
-          </p:nvPr>
-        </p:nvSpPr>
-        <p:spPr/>
-        <p:txBody>
-          <a:bodyPr/>
-          <a:lstStyle/>
-          <a:p>
-            <a:fld id="{6AC0F0B2-DC44-4D7F-B9BC-23EB46679998}" type="datetimeFigureOut">
-              <a:rPr lang="ko-KR" altLang="en-US" smtClean="0"/>
-              <a:t>2020-11-11</a:t>
-            </a:fld>
-            <a:endParaRPr lang="ko-KR" altLang="en-US"/>
-          </a:p>
-        </p:txBody>
-      </p:sp>
-      <p:sp>
-        <p:nvSpPr>
-          <p:cNvPr id="6" name="Footer Placeholder 5"/>
-          <p:cNvSpPr>
-            <a:spLocks noGrp="1"/>
-          </p:cNvSpPr>
-          <p:nvPr>
-            <p:ph type="ftr" sz="quarter" idx="11"/>
-          </p:nvPr>
-        </p:nvSpPr>
-        <p:spPr/>
-        <p:txBody>
-          <a:bodyPr/>
-          <a:lstStyle/>
-          <a:p>
-            <a:endParaRPr lang="ko-KR" altLang="en-US"/>
-          </a:p>
-        </p:txBody>
-      </p:sp>
-      <p:sp>
-        <p:nvSpPr>
-          <p:cNvPr id="7" name="Slide Number Placeholder 6"/>
-          <p:cNvSpPr>
-            <a:spLocks noGrp="1"/>
-          </p:cNvSpPr>
-          <p:nvPr>
-            <p:ph type="sldNum" sz="quarter" idx="12"/>
-          </p:nvPr>
-        </p:nvSpPr>
-        <p:spPr/>
-        <p:txBody>
-          <a:bodyPr/>
-          <a:lstStyle/>
-          <a:p>
-            <a:fld id="{8BF5F6E0-E4C1-4D32-8605-C37E4FBD9F94}" type="slidenum">
-              <a:rPr lang="ko-KR" altLang="en-US" smtClean="0"/>
-              <a:t>‹#›</a:t>
-            </a:fld>
-            <a:endParaRPr lang="ko-KR" altLang="en-US"/>
-          </a:p>
-        </p:txBody>
-      </p:sp>
-    </p:spTree>
-    <p:extLst>
-      <p:ext uri="{BB962C8B-B14F-4D97-AF65-F5344CB8AC3E}">
-        <p14:creationId xmlns:p14="http://schemas.microsoft.com/office/powerpoint/2010/main" val="1922233520"/>
-      </p:ext>
-    </p:extLst>
-  </p:cSld>
-  <p:clrMapOvr>
-    <a:masterClrMapping/>
-  </p:clrMapOvr>
-</p:sldLayout>
-</file>
-
-<file path=ppt/slideLayouts/slideLayout5.xml><?xml version="1.0" encoding="utf-8"?>
-<p:sldLayout xmlns:a="http://schemas.openxmlformats.org/drawingml/2006/main" xmlns:r="http://schemas.openxmlformats.org/officeDocument/2006/relationships" xmlns:p="http://schemas.openxmlformats.org/presentationml/2006/main" type="twoTxTwoObj" preserve="1">
-  <p:cSld name="비교">
-    <p:spTree>
-      <p:nvGrpSpPr>
-        <p:cNvPr id="1" name=""/>
-        <p:cNvGrpSpPr/>
-        <p:nvPr/>
-      </p:nvGrpSpPr>
-      <p:grpSpPr>
-        <a:xfrm>
-          <a:off x="0" y="0"/>
-          <a:ext cx="0" cy="0"/>
-          <a:chOff x="0" y="0"/>
-          <a:chExt cx="0" cy="0"/>
-        </a:xfrm>
-      </p:grpSpPr>
-      <p:sp>
-        <p:nvSpPr>
-          <p:cNvPr id="2" name="Title 1"/>
-          <p:cNvSpPr>
-            <a:spLocks noGrp="1"/>
-          </p:cNvSpPr>
-          <p:nvPr>
-            <p:ph type="title"/>
-          </p:nvPr>
-        </p:nvSpPr>
-        <p:spPr>
-          <a:xfrm>
-            <a:off x="682328" y="365127"/>
-            <a:ext cx="8543925" cy="1325563"/>
-          </a:xfrm>
-        </p:spPr>
-        <p:txBody>
-          <a:bodyPr/>
-          <a:lstStyle/>
-          <a:p>
-            <a:r>
-              <a:rPr lang="ko-KR" altLang="en-US" smtClean="0"/>
-              <a:t>마스터 제목 스타일 편집</a:t>
-            </a:r>
-            <a:endParaRPr lang="en-US" dirty="0"/>
-          </a:p>
-        </p:txBody>
-      </p:sp>
-      <p:sp>
-        <p:nvSpPr>
-          <p:cNvPr id="3" name="Text Placeholder 2"/>
-          <p:cNvSpPr>
-            <a:spLocks noGrp="1"/>
-          </p:cNvSpPr>
-          <p:nvPr>
-            <p:ph type="body" idx="1"/>
-          </p:nvPr>
-        </p:nvSpPr>
-        <p:spPr>
-          <a:xfrm>
-            <a:off x="682329" y="1681163"/>
-            <a:ext cx="4190702" cy="823912"/>
-          </a:xfrm>
-        </p:spPr>
-        <p:txBody>
-          <a:bodyPr anchor="b"/>
-          <a:lstStyle>
-            <a:lvl1pPr marL="0" indent="0">
-              <a:buNone/>
-              <a:defRPr sz="2400" b="1"/>
-            </a:lvl1pPr>
-            <a:lvl2pPr marL="457200" indent="0">
-              <a:buNone/>
-              <a:defRPr sz="2000" b="1"/>
-            </a:lvl2pPr>
-            <a:lvl3pPr marL="914400" indent="0">
-              <a:buNone/>
-              <a:defRPr sz="1800" b="1"/>
-            </a:lvl3pPr>
-            <a:lvl4pPr marL="1371600" indent="0">
-              <a:buNone/>
-              <a:defRPr sz="1600" b="1"/>
-            </a:lvl4pPr>
-            <a:lvl5pPr marL="1828800" indent="0">
-              <a:buNone/>
-              <a:defRPr sz="1600" b="1"/>
-            </a:lvl5pPr>
-            <a:lvl6pPr marL="2286000" indent="0">
-              <a:buNone/>
-              <a:defRPr sz="1600" b="1"/>
-            </a:lvl6pPr>
-            <a:lvl7pPr marL="2743200" indent="0">
-              <a:buNone/>
-              <a:defRPr sz="1600" b="1"/>
-            </a:lvl7pPr>
-            <a:lvl8pPr marL="3200400" indent="0">
-              <a:buNone/>
-              <a:defRPr sz="1600" b="1"/>
-            </a:lvl8pPr>
-            <a:lvl9pPr marL="3657600" indent="0">
-              <a:buNone/>
-              <a:defRPr sz="1600" b="1"/>
-            </a:lvl9pPr>
-          </a:lstStyle>
-          <a:p>
-            <a:pPr lvl="0"/>
-            <a:r>
-              <a:rPr lang="ko-KR" altLang="en-US" smtClean="0"/>
-              <a:t>마스터 텍스트 스타일 편집</a:t>
-            </a:r>
-          </a:p>
-        </p:txBody>
-      </p:sp>
-      <p:sp>
-        <p:nvSpPr>
-          <p:cNvPr id="4" name="Content Placeholder 3"/>
-          <p:cNvSpPr>
-            <a:spLocks noGrp="1"/>
-          </p:cNvSpPr>
-          <p:nvPr>
-            <p:ph sz="half" idx="2"/>
-          </p:nvPr>
-        </p:nvSpPr>
-        <p:spPr>
-          <a:xfrm>
-            <a:off x="682329" y="2505075"/>
-            <a:ext cx="4190702" cy="3684588"/>
-          </a:xfrm>
-        </p:spPr>
-        <p:txBody>
-          <a:bodyPr/>
-          <a:lstStyle/>
-          <a:p>
-            <a:pPr lvl="0"/>
-            <a:r>
-              <a:rPr lang="ko-KR" altLang="en-US" smtClean="0"/>
-              <a:t>마스터 텍스트 스타일 편집</a:t>
-            </a:r>
-          </a:p>
-          <a:p>
-            <a:pPr lvl="1"/>
-            <a:r>
-              <a:rPr lang="ko-KR" altLang="en-US" smtClean="0"/>
-              <a:t>둘째 수준</a:t>
-            </a:r>
-          </a:p>
-          <a:p>
-            <a:pPr lvl="2"/>
-            <a:r>
-              <a:rPr lang="ko-KR" altLang="en-US" smtClean="0"/>
-              <a:t>셋째 수준</a:t>
-            </a:r>
-          </a:p>
-          <a:p>
-            <a:pPr lvl="3"/>
-            <a:r>
-              <a:rPr lang="ko-KR" altLang="en-US" smtClean="0"/>
-              <a:t>넷째 수준</a:t>
-            </a:r>
-          </a:p>
-          <a:p>
-            <a:pPr lvl="4"/>
-            <a:r>
-              <a:rPr lang="ko-KR" altLang="en-US" smtClean="0"/>
-              <a:t>다섯째 수준</a:t>
-            </a:r>
-            <a:endParaRPr lang="en-US" dirty="0"/>
-          </a:p>
-        </p:txBody>
-      </p:sp>
-      <p:sp>
-        <p:nvSpPr>
-          <p:cNvPr id="5" name="Text Placeholder 4"/>
-          <p:cNvSpPr>
-            <a:spLocks noGrp="1"/>
-          </p:cNvSpPr>
-          <p:nvPr>
-            <p:ph type="body" sz="quarter" idx="3"/>
-          </p:nvPr>
-        </p:nvSpPr>
-        <p:spPr>
-          <a:xfrm>
-            <a:off x="5014913" y="1681163"/>
-            <a:ext cx="4211340" cy="823912"/>
-          </a:xfrm>
-        </p:spPr>
-        <p:txBody>
-          <a:bodyPr anchor="b"/>
-          <a:lstStyle>
-            <a:lvl1pPr marL="0" indent="0">
-              <a:buNone/>
-              <a:defRPr sz="2400" b="1"/>
-            </a:lvl1pPr>
-            <a:lvl2pPr marL="457200" indent="0">
-              <a:buNone/>
-              <a:defRPr sz="2000" b="1"/>
-            </a:lvl2pPr>
-            <a:lvl3pPr marL="914400" indent="0">
-              <a:buNone/>
-              <a:defRPr sz="1800" b="1"/>
-            </a:lvl3pPr>
-            <a:lvl4pPr marL="1371600" indent="0">
-              <a:buNone/>
-              <a:defRPr sz="1600" b="1"/>
-            </a:lvl4pPr>
-            <a:lvl5pPr marL="1828800" indent="0">
-              <a:buNone/>
-              <a:defRPr sz="1600" b="1"/>
-            </a:lvl5pPr>
-            <a:lvl6pPr marL="2286000" indent="0">
-              <a:buNone/>
-              <a:defRPr sz="1600" b="1"/>
-            </a:lvl6pPr>
-            <a:lvl7pPr marL="2743200" indent="0">
-              <a:buNone/>
-              <a:defRPr sz="1600" b="1"/>
-            </a:lvl7pPr>
-            <a:lvl8pPr marL="3200400" indent="0">
-              <a:buNone/>
-              <a:defRPr sz="1600" b="1"/>
-            </a:lvl8pPr>
-            <a:lvl9pPr marL="3657600" indent="0">
-              <a:buNone/>
-              <a:defRPr sz="1600" b="1"/>
-            </a:lvl9pPr>
-          </a:lstStyle>
-          <a:p>
-            <a:pPr lvl="0"/>
-            <a:r>
-              <a:rPr lang="ko-KR" altLang="en-US" smtClean="0"/>
-              <a:t>마스터 텍스트 스타일 편집</a:t>
-            </a:r>
-          </a:p>
-        </p:txBody>
-      </p:sp>
-      <p:sp>
-        <p:nvSpPr>
-          <p:cNvPr id="6" name="Content Placeholder 5"/>
-          <p:cNvSpPr>
-            <a:spLocks noGrp="1"/>
-          </p:cNvSpPr>
-          <p:nvPr>
-            <p:ph sz="quarter" idx="4"/>
-          </p:nvPr>
-        </p:nvSpPr>
-        <p:spPr>
-          <a:xfrm>
-            <a:off x="5014913" y="2505075"/>
-            <a:ext cx="4211340" cy="3684588"/>
-          </a:xfrm>
-        </p:spPr>
-        <p:txBody>
-          <a:bodyPr/>
-          <a:lstStyle/>
-          <a:p>
-            <a:pPr lvl="0"/>
-            <a:r>
-              <a:rPr lang="ko-KR" altLang="en-US" smtClean="0"/>
-              <a:t>마스터 텍스트 스타일 편집</a:t>
-            </a:r>
-          </a:p>
-          <a:p>
-            <a:pPr lvl="1"/>
-            <a:r>
-              <a:rPr lang="ko-KR" altLang="en-US" smtClean="0"/>
-              <a:t>둘째 수준</a:t>
-            </a:r>
-          </a:p>
-          <a:p>
-            <a:pPr lvl="2"/>
-            <a:r>
-              <a:rPr lang="ko-KR" altLang="en-US" smtClean="0"/>
-              <a:t>셋째 수준</a:t>
-            </a:r>
-          </a:p>
-          <a:p>
-            <a:pPr lvl="3"/>
-            <a:r>
-              <a:rPr lang="ko-KR" altLang="en-US" smtClean="0"/>
-              <a:t>넷째 수준</a:t>
-            </a:r>
-          </a:p>
-          <a:p>
-            <a:pPr lvl="4"/>
-            <a:r>
-              <a:rPr lang="ko-KR" altLang="en-US" smtClean="0"/>
-              <a:t>다섯째 수준</a:t>
-            </a:r>
-            <a:endParaRPr lang="en-US" dirty="0"/>
-          </a:p>
-        </p:txBody>
-      </p:sp>
-      <p:sp>
-        <p:nvSpPr>
-          <p:cNvPr id="7" name="Date Placeholder 6"/>
-          <p:cNvSpPr>
-            <a:spLocks noGrp="1"/>
-          </p:cNvSpPr>
-          <p:nvPr>
-            <p:ph type="dt" sz="half" idx="10"/>
-          </p:nvPr>
-        </p:nvSpPr>
-        <p:spPr/>
-        <p:txBody>
-          <a:bodyPr/>
-          <a:lstStyle/>
-          <a:p>
-            <a:fld id="{6AC0F0B2-DC44-4D7F-B9BC-23EB46679998}" type="datetimeFigureOut">
-              <a:rPr lang="ko-KR" altLang="en-US" smtClean="0"/>
-              <a:t>2020-11-11</a:t>
-            </a:fld>
-            <a:endParaRPr lang="ko-KR" altLang="en-US"/>
-          </a:p>
-        </p:txBody>
-      </p:sp>
-      <p:sp>
-        <p:nvSpPr>
-          <p:cNvPr id="8" name="Footer Placeholder 7"/>
-          <p:cNvSpPr>
-            <a:spLocks noGrp="1"/>
-          </p:cNvSpPr>
-          <p:nvPr>
-            <p:ph type="ftr" sz="quarter" idx="11"/>
-          </p:nvPr>
-        </p:nvSpPr>
-        <p:spPr/>
-        <p:txBody>
-          <a:bodyPr/>
-          <a:lstStyle/>
-          <a:p>
-            <a:endParaRPr lang="ko-KR" altLang="en-US"/>
-          </a:p>
-        </p:txBody>
-      </p:sp>
-      <p:sp>
-        <p:nvSpPr>
-          <p:cNvPr id="9" name="Slide Number Placeholder 8"/>
-          <p:cNvSpPr>
-            <a:spLocks noGrp="1"/>
-          </p:cNvSpPr>
-          <p:nvPr>
-            <p:ph type="sldNum" sz="quarter" idx="12"/>
-          </p:nvPr>
-        </p:nvSpPr>
-        <p:spPr/>
-        <p:txBody>
-          <a:bodyPr/>
-          <a:lstStyle/>
-          <a:p>
-            <a:fld id="{8BF5F6E0-E4C1-4D32-8605-C37E4FBD9F94}" type="slidenum">
-              <a:rPr lang="ko-KR" altLang="en-US" smtClean="0"/>
-              <a:t>‹#›</a:t>
-            </a:fld>
-            <a:endParaRPr lang="ko-KR" altLang="en-US"/>
-          </a:p>
-        </p:txBody>
-      </p:sp>
-    </p:spTree>
-    <p:extLst>
-      <p:ext uri="{BB962C8B-B14F-4D97-AF65-F5344CB8AC3E}">
-        <p14:creationId xmlns:p14="http://schemas.microsoft.com/office/powerpoint/2010/main" val="1570000940"/>
-      </p:ext>
-    </p:extLst>
-  </p:cSld>
-  <p:clrMapOvr>
-    <a:masterClrMapping/>
-  </p:clrMapOvr>
-</p:sldLayout>
-</file>
-
-<file path=ppt/slideLayouts/slideLayout6.xml><?xml version="1.0" encoding="utf-8"?>
-<p:sldLayout xmlns:a="http://schemas.openxmlformats.org/drawingml/2006/main" xmlns:r="http://schemas.openxmlformats.org/officeDocument/2006/relationships" xmlns:p="http://schemas.openxmlformats.org/presentationml/2006/main" type="titleOnly" preserve="1">
-  <p:cSld name="제목만">
-    <p:spTree>
-      <p:nvGrpSpPr>
-        <p:cNvPr id="1" name=""/>
-        <p:cNvGrpSpPr/>
-        <p:nvPr/>
-      </p:nvGrpSpPr>
-      <p:grpSpPr>
-        <a:xfrm>
-          <a:off x="0" y="0"/>
-          <a:ext cx="0" cy="0"/>
-          <a:chOff x="0" y="0"/>
-          <a:chExt cx="0" cy="0"/>
-        </a:xfrm>
-      </p:grpSpPr>
-      <p:sp>
-        <p:nvSpPr>
-          <p:cNvPr id="2" name="Title 1"/>
-          <p:cNvSpPr>
-            <a:spLocks noGrp="1"/>
-          </p:cNvSpPr>
-          <p:nvPr>
-            <p:ph type="title"/>
-          </p:nvPr>
-        </p:nvSpPr>
-        <p:spPr/>
-        <p:txBody>
-          <a:bodyPr/>
-          <a:lstStyle/>
-          <a:p>
-            <a:r>
-              <a:rPr lang="ko-KR" altLang="en-US" smtClean="0"/>
-              <a:t>마스터 제목 스타일 편집</a:t>
-            </a:r>
-            <a:endParaRPr lang="en-US" dirty="0"/>
-          </a:p>
-        </p:txBody>
-      </p:sp>
-      <p:sp>
-        <p:nvSpPr>
-          <p:cNvPr id="3" name="Date Placeholder 2"/>
-          <p:cNvSpPr>
-            <a:spLocks noGrp="1"/>
-          </p:cNvSpPr>
-          <p:nvPr>
-            <p:ph type="dt" sz="half" idx="10"/>
-          </p:nvPr>
-        </p:nvSpPr>
-        <p:spPr/>
-        <p:txBody>
-          <a:bodyPr/>
-          <a:lstStyle/>
-          <a:p>
-            <a:fld id="{6AC0F0B2-DC44-4D7F-B9BC-23EB46679998}" type="datetimeFigureOut">
-              <a:rPr lang="ko-KR" altLang="en-US" smtClean="0"/>
-              <a:t>2020-11-11</a:t>
-            </a:fld>
-            <a:endParaRPr lang="ko-KR" altLang="en-US"/>
-          </a:p>
-        </p:txBody>
-      </p:sp>
-      <p:sp>
-        <p:nvSpPr>
-          <p:cNvPr id="4" name="Footer Placeholder 3"/>
-          <p:cNvSpPr>
-            <a:spLocks noGrp="1"/>
-          </p:cNvSpPr>
-          <p:nvPr>
-            <p:ph type="ftr" sz="quarter" idx="11"/>
-          </p:nvPr>
-        </p:nvSpPr>
-        <p:spPr/>
-        <p:txBody>
-          <a:bodyPr/>
-          <a:lstStyle/>
-          <a:p>
-            <a:endParaRPr lang="ko-KR" altLang="en-US"/>
-          </a:p>
-        </p:txBody>
-      </p:sp>
-      <p:sp>
-        <p:nvSpPr>
-          <p:cNvPr id="5" name="Slide Number Placeholder 4"/>
-          <p:cNvSpPr>
-            <a:spLocks noGrp="1"/>
-          </p:cNvSpPr>
-          <p:nvPr>
-            <p:ph type="sldNum" sz="quarter" idx="12"/>
-          </p:nvPr>
-        </p:nvSpPr>
-        <p:spPr/>
-        <p:txBody>
-          <a:bodyPr/>
-          <a:lstStyle/>
-          <a:p>
-            <a:fld id="{8BF5F6E0-E4C1-4D32-8605-C37E4FBD9F94}" type="slidenum">
-              <a:rPr lang="ko-KR" altLang="en-US" smtClean="0"/>
-              <a:t>‹#›</a:t>
-            </a:fld>
-            <a:endParaRPr lang="ko-KR" altLang="en-US"/>
-          </a:p>
-        </p:txBody>
-      </p:sp>
-    </p:spTree>
-    <p:extLst>
-      <p:ext uri="{BB962C8B-B14F-4D97-AF65-F5344CB8AC3E}">
-        <p14:creationId xmlns:p14="http://schemas.microsoft.com/office/powerpoint/2010/main" val="1913661378"/>
-      </p:ext>
-    </p:extLst>
-  </p:cSld>
-  <p:clrMapOvr>
-    <a:masterClrMapping/>
-  </p:clrMapOvr>
-</p:sldLayout>
-</file>
-
-<file path=ppt/slideLayouts/slideLayout7.xml><?xml version="1.0" encoding="utf-8"?>
-<p:sldLayout xmlns:a="http://schemas.openxmlformats.org/drawingml/2006/main" xmlns:r="http://schemas.openxmlformats.org/officeDocument/2006/relationships" xmlns:p="http://schemas.openxmlformats.org/presentationml/2006/main" type="blank" preserve="1">
-  <p:cSld name="빈 화면">
-    <p:spTree>
-      <p:nvGrpSpPr>
-        <p:cNvPr id="1" name=""/>
-        <p:cNvGrpSpPr/>
-        <p:nvPr/>
-      </p:nvGrpSpPr>
-      <p:grpSpPr>
-        <a:xfrm>
-          <a:off x="0" y="0"/>
-          <a:ext cx="0" cy="0"/>
-          <a:chOff x="0" y="0"/>
-          <a:chExt cx="0" cy="0"/>
-        </a:xfrm>
-      </p:grpSpPr>
-      <p:sp>
-        <p:nvSpPr>
-          <p:cNvPr id="2" name="Date Placeholder 1"/>
-          <p:cNvSpPr>
-            <a:spLocks noGrp="1"/>
-          </p:cNvSpPr>
-          <p:nvPr>
-            <p:ph type="dt" sz="half" idx="10"/>
-          </p:nvPr>
-        </p:nvSpPr>
-        <p:spPr/>
-        <p:txBody>
-          <a:bodyPr/>
-          <a:lstStyle/>
-          <a:p>
-            <a:fld id="{6AC0F0B2-DC44-4D7F-B9BC-23EB46679998}" type="datetimeFigureOut">
-              <a:rPr lang="ko-KR" altLang="en-US" smtClean="0"/>
-              <a:t>2020-11-11</a:t>
-            </a:fld>
-            <a:endParaRPr lang="ko-KR" altLang="en-US"/>
-          </a:p>
-        </p:txBody>
-      </p:sp>
-      <p:sp>
-        <p:nvSpPr>
-          <p:cNvPr id="3" name="Footer Placeholder 2"/>
-          <p:cNvSpPr>
-            <a:spLocks noGrp="1"/>
-          </p:cNvSpPr>
-          <p:nvPr>
-            <p:ph type="ftr" sz="quarter" idx="11"/>
-          </p:nvPr>
-        </p:nvSpPr>
-        <p:spPr/>
-        <p:txBody>
-          <a:bodyPr/>
-          <a:lstStyle/>
-          <a:p>
-            <a:endParaRPr lang="ko-KR" altLang="en-US"/>
-          </a:p>
-        </p:txBody>
-      </p:sp>
-      <p:sp>
-        <p:nvSpPr>
-          <p:cNvPr id="4" name="Slide Number Placeholder 3"/>
-          <p:cNvSpPr>
-            <a:spLocks noGrp="1"/>
-          </p:cNvSpPr>
-          <p:nvPr>
-            <p:ph type="sldNum" sz="quarter" idx="12"/>
-          </p:nvPr>
-        </p:nvSpPr>
-        <p:spPr/>
-        <p:txBody>
-          <a:bodyPr/>
-          <a:lstStyle/>
-          <a:p>
-            <a:fld id="{8BF5F6E0-E4C1-4D32-8605-C37E4FBD9F94}" type="slidenum">
-              <a:rPr lang="ko-KR" altLang="en-US" smtClean="0"/>
-              <a:t>‹#›</a:t>
-            </a:fld>
-            <a:endParaRPr lang="ko-KR" altLang="en-US"/>
-          </a:p>
-        </p:txBody>
-      </p:sp>
-    </p:spTree>
-    <p:extLst>
-      <p:ext uri="{BB962C8B-B14F-4D97-AF65-F5344CB8AC3E}">
-        <p14:creationId xmlns:p14="http://schemas.microsoft.com/office/powerpoint/2010/main" val="1390961979"/>
-      </p:ext>
-    </p:extLst>
-  </p:cSld>
-  <p:clrMapOvr>
-    <a:masterClrMapping/>
-  </p:clrMapOvr>
-</p:sldLayout>
-</file>
-
-<file path=ppt/slideLayouts/slideLayout8.xml><?xml version="1.0" encoding="utf-8"?>
-<p:sldLayout xmlns:a="http://schemas.openxmlformats.org/drawingml/2006/main" xmlns:r="http://schemas.openxmlformats.org/officeDocument/2006/relationships" xmlns:p="http://schemas.openxmlformats.org/presentationml/2006/main" type="objTx" preserve="1">
-  <p:cSld name="캡션 있는 콘텐츠">
-    <p:spTree>
-      <p:nvGrpSpPr>
-        <p:cNvPr id="1" name=""/>
-        <p:cNvGrpSpPr/>
-        <p:nvPr/>
-      </p:nvGrpSpPr>
-      <p:grpSpPr>
-        <a:xfrm>
-          <a:off x="0" y="0"/>
-          <a:ext cx="0" cy="0"/>
-          <a:chOff x="0" y="0"/>
-          <a:chExt cx="0" cy="0"/>
-        </a:xfrm>
-      </p:grpSpPr>
-      <p:sp>
-        <p:nvSpPr>
-          <p:cNvPr id="2" name="Title 1"/>
-          <p:cNvSpPr>
-            <a:spLocks noGrp="1"/>
-          </p:cNvSpPr>
-          <p:nvPr>
-            <p:ph type="title"/>
-          </p:nvPr>
-        </p:nvSpPr>
-        <p:spPr>
-          <a:xfrm>
-            <a:off x="682328" y="457200"/>
-            <a:ext cx="3194943" cy="1600200"/>
-          </a:xfrm>
-        </p:spPr>
-        <p:txBody>
-          <a:bodyPr anchor="b"/>
-          <a:lstStyle>
-            <a:lvl1pPr>
-              <a:defRPr sz="3200"/>
-            </a:lvl1pPr>
-          </a:lstStyle>
-          <a:p>
-            <a:r>
-              <a:rPr lang="ko-KR" altLang="en-US" smtClean="0"/>
-              <a:t>마스터 제목 스타일 편집</a:t>
-            </a:r>
-            <a:endParaRPr lang="en-US" dirty="0"/>
-          </a:p>
-        </p:txBody>
-      </p:sp>
-      <p:sp>
-        <p:nvSpPr>
-          <p:cNvPr id="3" name="Content Placeholder 2"/>
-          <p:cNvSpPr>
-            <a:spLocks noGrp="1"/>
-          </p:cNvSpPr>
-          <p:nvPr>
-            <p:ph idx="1"/>
-          </p:nvPr>
-        </p:nvSpPr>
-        <p:spPr>
-          <a:xfrm>
-            <a:off x="4211340" y="987427"/>
-            <a:ext cx="5014913" cy="4873625"/>
-          </a:xfrm>
-        </p:spPr>
-        <p:txBody>
-          <a:bodyPr/>
-          <a:lstStyle>
-            <a:lvl1pPr>
-              <a:defRPr sz="3200"/>
-            </a:lvl1pPr>
-            <a:lvl2pPr>
-              <a:defRPr sz="2800"/>
-            </a:lvl2pPr>
-            <a:lvl3pPr>
-              <a:defRPr sz="2400"/>
-            </a:lvl3pPr>
-            <a:lvl4pPr>
-              <a:defRPr sz="2000"/>
-            </a:lvl4pPr>
-            <a:lvl5pPr>
-              <a:defRPr sz="2000"/>
-            </a:lvl5pPr>
-            <a:lvl6pPr>
-              <a:defRPr sz="2000"/>
-            </a:lvl6pPr>
-            <a:lvl7pPr>
-              <a:defRPr sz="2000"/>
-            </a:lvl7pPr>
-            <a:lvl8pPr>
-              <a:defRPr sz="2000"/>
-            </a:lvl8pPr>
-            <a:lvl9pPr>
-              <a:defRPr sz="2000"/>
-            </a:lvl9pPr>
-          </a:lstStyle>
-          <a:p>
-            <a:pPr lvl="0"/>
-            <a:r>
-              <a:rPr lang="ko-KR" altLang="en-US" smtClean="0"/>
-              <a:t>마스터 텍스트 스타일 편집</a:t>
-            </a:r>
-          </a:p>
-          <a:p>
-            <a:pPr lvl="1"/>
-            <a:r>
-              <a:rPr lang="ko-KR" altLang="en-US" smtClean="0"/>
-              <a:t>둘째 수준</a:t>
-            </a:r>
-          </a:p>
-          <a:p>
-            <a:pPr lvl="2"/>
-            <a:r>
-              <a:rPr lang="ko-KR" altLang="en-US" smtClean="0"/>
-              <a:t>셋째 수준</a:t>
-            </a:r>
-          </a:p>
-          <a:p>
-            <a:pPr lvl="3"/>
-            <a:r>
-              <a:rPr lang="ko-KR" altLang="en-US" smtClean="0"/>
-              <a:t>넷째 수준</a:t>
-            </a:r>
-          </a:p>
-          <a:p>
-            <a:pPr lvl="4"/>
-            <a:r>
-              <a:rPr lang="ko-KR" altLang="en-US" smtClean="0"/>
-              <a:t>다섯째 수준</a:t>
-            </a:r>
-            <a:endParaRPr lang="en-US" dirty="0"/>
-          </a:p>
-        </p:txBody>
-      </p:sp>
-      <p:sp>
-        <p:nvSpPr>
-          <p:cNvPr id="4" name="Text Placeholder 3"/>
-          <p:cNvSpPr>
-            <a:spLocks noGrp="1"/>
-          </p:cNvSpPr>
-          <p:nvPr>
-            <p:ph type="body" sz="half" idx="2"/>
-          </p:nvPr>
-        </p:nvSpPr>
-        <p:spPr>
-          <a:xfrm>
-            <a:off x="682328" y="2057400"/>
-            <a:ext cx="3194943" cy="3811588"/>
-          </a:xfrm>
-        </p:spPr>
-        <p:txBody>
-          <a:bodyPr/>
-          <a:lstStyle>
-            <a:lvl1pPr marL="0" indent="0">
-              <a:buNone/>
-              <a:defRPr sz="1600"/>
-            </a:lvl1pPr>
-            <a:lvl2pPr marL="457200" indent="0">
-              <a:buNone/>
-              <a:defRPr sz="1400"/>
-            </a:lvl2pPr>
-            <a:lvl3pPr marL="914400" indent="0">
-              <a:buNone/>
-              <a:defRPr sz="1200"/>
-            </a:lvl3pPr>
-            <a:lvl4pPr marL="1371600" indent="0">
-              <a:buNone/>
-              <a:defRPr sz="1000"/>
-            </a:lvl4pPr>
-            <a:lvl5pPr marL="1828800" indent="0">
-              <a:buNone/>
-              <a:defRPr sz="1000"/>
-            </a:lvl5pPr>
-            <a:lvl6pPr marL="2286000" indent="0">
-              <a:buNone/>
-              <a:defRPr sz="1000"/>
-            </a:lvl6pPr>
-            <a:lvl7pPr marL="2743200" indent="0">
-              <a:buNone/>
-              <a:defRPr sz="1000"/>
-            </a:lvl7pPr>
-            <a:lvl8pPr marL="3200400" indent="0">
-              <a:buNone/>
-              <a:defRPr sz="1000"/>
-            </a:lvl8pPr>
-            <a:lvl9pPr marL="3657600" indent="0">
-              <a:buNone/>
-              <a:defRPr sz="1000"/>
-            </a:lvl9pPr>
-          </a:lstStyle>
-          <a:p>
-            <a:pPr lvl="0"/>
-            <a:r>
-              <a:rPr lang="ko-KR" altLang="en-US" smtClean="0"/>
-              <a:t>마스터 텍스트 스타일 편집</a:t>
-            </a:r>
-          </a:p>
-        </p:txBody>
-      </p:sp>
-      <p:sp>
-        <p:nvSpPr>
-          <p:cNvPr id="5" name="Date Placeholder 4"/>
-          <p:cNvSpPr>
-            <a:spLocks noGrp="1"/>
-          </p:cNvSpPr>
-          <p:nvPr>
-            <p:ph type="dt" sz="half" idx="10"/>
-          </p:nvPr>
-        </p:nvSpPr>
-        <p:spPr/>
-        <p:txBody>
-          <a:bodyPr/>
-          <a:lstStyle/>
-          <a:p>
-            <a:fld id="{6AC0F0B2-DC44-4D7F-B9BC-23EB46679998}" type="datetimeFigureOut">
-              <a:rPr lang="ko-KR" altLang="en-US" smtClean="0"/>
-              <a:t>2020-11-11</a:t>
-            </a:fld>
-            <a:endParaRPr lang="ko-KR" altLang="en-US"/>
-          </a:p>
-        </p:txBody>
-      </p:sp>
-      <p:sp>
-        <p:nvSpPr>
-          <p:cNvPr id="6" name="Footer Placeholder 5"/>
-          <p:cNvSpPr>
-            <a:spLocks noGrp="1"/>
-          </p:cNvSpPr>
-          <p:nvPr>
-            <p:ph type="ftr" sz="quarter" idx="11"/>
-          </p:nvPr>
-        </p:nvSpPr>
-        <p:spPr/>
-        <p:txBody>
-          <a:bodyPr/>
-          <a:lstStyle/>
-          <a:p>
-            <a:endParaRPr lang="ko-KR" altLang="en-US"/>
-          </a:p>
-        </p:txBody>
-      </p:sp>
-      <p:sp>
-        <p:nvSpPr>
-          <p:cNvPr id="7" name="Slide Number Placeholder 6"/>
-          <p:cNvSpPr>
-            <a:spLocks noGrp="1"/>
-          </p:cNvSpPr>
-          <p:nvPr>
-            <p:ph type="sldNum" sz="quarter" idx="12"/>
-          </p:nvPr>
-        </p:nvSpPr>
-        <p:spPr/>
-        <p:txBody>
-          <a:bodyPr/>
-          <a:lstStyle/>
-          <a:p>
-            <a:fld id="{8BF5F6E0-E4C1-4D32-8605-C37E4FBD9F94}" type="slidenum">
-              <a:rPr lang="ko-KR" altLang="en-US" smtClean="0"/>
-              <a:t>‹#›</a:t>
-            </a:fld>
-            <a:endParaRPr lang="ko-KR" altLang="en-US"/>
-          </a:p>
-        </p:txBody>
-      </p:sp>
-    </p:spTree>
-    <p:extLst>
-      <p:ext uri="{BB962C8B-B14F-4D97-AF65-F5344CB8AC3E}">
-        <p14:creationId xmlns:p14="http://schemas.microsoft.com/office/powerpoint/2010/main" val="1271730030"/>
-      </p:ext>
-    </p:extLst>
-  </p:cSld>
-  <p:clrMapOvr>
-    <a:masterClrMapping/>
-  </p:clrMapOvr>
-</p:sldLayout>
-</file>
-
-<file path=ppt/slideLayouts/slideLayout9.xml><?xml version="1.0" encoding="utf-8"?>
-<p:sldLayout xmlns:a="http://schemas.openxmlformats.org/drawingml/2006/main" xmlns:r="http://schemas.openxmlformats.org/officeDocument/2006/relationships" xmlns:p="http://schemas.openxmlformats.org/presentationml/2006/main" type="picTx" preserve="1">
-  <p:cSld name="캡션 있는 그림">
-    <p:spTree>
-      <p:nvGrpSpPr>
-        <p:cNvPr id="1" name=""/>
-        <p:cNvGrpSpPr/>
-        <p:nvPr/>
-      </p:nvGrpSpPr>
-      <p:grpSpPr>
-        <a:xfrm>
-          <a:off x="0" y="0"/>
-          <a:ext cx="0" cy="0"/>
-          <a:chOff x="0" y="0"/>
-          <a:chExt cx="0" cy="0"/>
-        </a:xfrm>
-      </p:grpSpPr>
-      <p:sp>
-        <p:nvSpPr>
-          <p:cNvPr id="2" name="Title 1"/>
-          <p:cNvSpPr>
-            <a:spLocks noGrp="1"/>
-          </p:cNvSpPr>
-          <p:nvPr>
-            <p:ph type="title"/>
-          </p:nvPr>
-        </p:nvSpPr>
-        <p:spPr>
-          <a:xfrm>
-            <a:off x="682328" y="457200"/>
-            <a:ext cx="3194943" cy="1600200"/>
-          </a:xfrm>
-        </p:spPr>
-        <p:txBody>
-          <a:bodyPr anchor="b"/>
-          <a:lstStyle>
-            <a:lvl1pPr>
-              <a:defRPr sz="3200"/>
-            </a:lvl1pPr>
-          </a:lstStyle>
-          <a:p>
-            <a:r>
-              <a:rPr lang="ko-KR" altLang="en-US" smtClean="0"/>
-              <a:t>마스터 제목 스타일 편집</a:t>
-            </a:r>
-            <a:endParaRPr lang="en-US" dirty="0"/>
-          </a:p>
-        </p:txBody>
-      </p:sp>
-      <p:sp>
-        <p:nvSpPr>
-          <p:cNvPr id="3" name="Picture Placeholder 2"/>
-          <p:cNvSpPr>
-            <a:spLocks noGrp="1" noChangeAspect="1"/>
-          </p:cNvSpPr>
-          <p:nvPr>
-            <p:ph type="pic" idx="1"/>
-          </p:nvPr>
-        </p:nvSpPr>
-        <p:spPr>
-          <a:xfrm>
-            <a:off x="4211340" y="987427"/>
-            <a:ext cx="5014913" cy="4873625"/>
-          </a:xfrm>
-        </p:spPr>
-        <p:txBody>
-          <a:bodyPr anchor="t"/>
-          <a:lstStyle>
-            <a:lvl1pPr marL="0" indent="0">
-              <a:buNone/>
-              <a:defRPr sz="3200"/>
-            </a:lvl1pPr>
-            <a:lvl2pPr marL="457200" indent="0">
-              <a:buNone/>
-              <a:defRPr sz="2800"/>
-            </a:lvl2pPr>
-            <a:lvl3pPr marL="914400" indent="0">
-              <a:buNone/>
-              <a:defRPr sz="2400"/>
-            </a:lvl3pPr>
-            <a:lvl4pPr marL="1371600" indent="0">
-              <a:buNone/>
-              <a:defRPr sz="2000"/>
-            </a:lvl4pPr>
-            <a:lvl5pPr marL="1828800" indent="0">
-              <a:buNone/>
-              <a:defRPr sz="2000"/>
-            </a:lvl5pPr>
-            <a:lvl6pPr marL="2286000" indent="0">
-              <a:buNone/>
-              <a:defRPr sz="2000"/>
-            </a:lvl6pPr>
-            <a:lvl7pPr marL="2743200" indent="0">
-              <a:buNone/>
-              <a:defRPr sz="2000"/>
-            </a:lvl7pPr>
-            <a:lvl8pPr marL="3200400" indent="0">
-              <a:buNone/>
-              <a:defRPr sz="2000"/>
-            </a:lvl8pPr>
-            <a:lvl9pPr marL="3657600" indent="0">
-              <a:buNone/>
-              <a:defRPr sz="2000"/>
-            </a:lvl9pPr>
-          </a:lstStyle>
-          <a:p>
-            <a:r>
-              <a:rPr lang="ko-KR" altLang="en-US" smtClean="0"/>
-              <a:t>그림을 추가하려면 아이콘을 클릭하십시오</a:t>
-            </a:r>
-            <a:endParaRPr lang="en-US" dirty="0"/>
-          </a:p>
-        </p:txBody>
-      </p:sp>
-      <p:sp>
-        <p:nvSpPr>
-          <p:cNvPr id="4" name="Text Placeholder 3"/>
-          <p:cNvSpPr>
-            <a:spLocks noGrp="1"/>
-          </p:cNvSpPr>
-          <p:nvPr>
-            <p:ph type="body" sz="half" idx="2"/>
-          </p:nvPr>
-        </p:nvSpPr>
-        <p:spPr>
-          <a:xfrm>
-            <a:off x="682328" y="2057400"/>
-            <a:ext cx="3194943" cy="3811588"/>
-          </a:xfrm>
-        </p:spPr>
-        <p:txBody>
-          <a:bodyPr/>
-          <a:lstStyle>
-            <a:lvl1pPr marL="0" indent="0">
-              <a:buNone/>
-              <a:defRPr sz="1600"/>
-            </a:lvl1pPr>
-            <a:lvl2pPr marL="457200" indent="0">
-              <a:buNone/>
-              <a:defRPr sz="1400"/>
-            </a:lvl2pPr>
-            <a:lvl3pPr marL="914400" indent="0">
-              <a:buNone/>
-              <a:defRPr sz="1200"/>
-            </a:lvl3pPr>
-            <a:lvl4pPr marL="1371600" indent="0">
-              <a:buNone/>
-              <a:defRPr sz="1000"/>
-            </a:lvl4pPr>
-            <a:lvl5pPr marL="1828800" indent="0">
-              <a:buNone/>
-              <a:defRPr sz="1000"/>
-            </a:lvl5pPr>
-            <a:lvl6pPr marL="2286000" indent="0">
-              <a:buNone/>
-              <a:defRPr sz="1000"/>
-            </a:lvl6pPr>
-            <a:lvl7pPr marL="2743200" indent="0">
-              <a:buNone/>
-              <a:defRPr sz="1000"/>
-            </a:lvl7pPr>
-            <a:lvl8pPr marL="3200400" indent="0">
-              <a:buNone/>
-              <a:defRPr sz="1000"/>
-            </a:lvl8pPr>
-            <a:lvl9pPr marL="3657600" indent="0">
-              <a:buNone/>
-              <a:defRPr sz="1000"/>
-            </a:lvl9pPr>
-          </a:lstStyle>
-          <a:p>
-            <a:pPr lvl="0"/>
-            <a:r>
-              <a:rPr lang="ko-KR" altLang="en-US" smtClean="0"/>
-              <a:t>마스터 텍스트 스타일 편집</a:t>
-            </a:r>
-          </a:p>
-        </p:txBody>
-      </p:sp>
-      <p:sp>
-        <p:nvSpPr>
-          <p:cNvPr id="5" name="Date Placeholder 4"/>
-          <p:cNvSpPr>
-            <a:spLocks noGrp="1"/>
-          </p:cNvSpPr>
-          <p:nvPr>
-            <p:ph type="dt" sz="half" idx="10"/>
-          </p:nvPr>
-        </p:nvSpPr>
-        <p:spPr/>
-        <p:txBody>
-          <a:bodyPr/>
-          <a:lstStyle/>
-          <a:p>
-            <a:fld id="{6AC0F0B2-DC44-4D7F-B9BC-23EB46679998}" type="datetimeFigureOut">
-              <a:rPr lang="ko-KR" altLang="en-US" smtClean="0"/>
-              <a:t>2020-11-11</a:t>
-            </a:fld>
-            <a:endParaRPr lang="ko-KR" altLang="en-US"/>
-          </a:p>
-        </p:txBody>
-      </p:sp>
-      <p:sp>
-        <p:nvSpPr>
-          <p:cNvPr id="6" name="Footer Placeholder 5"/>
-          <p:cNvSpPr>
-            <a:spLocks noGrp="1"/>
-          </p:cNvSpPr>
-          <p:nvPr>
-            <p:ph type="ftr" sz="quarter" idx="11"/>
-          </p:nvPr>
-        </p:nvSpPr>
-        <p:spPr/>
-        <p:txBody>
-          <a:bodyPr/>
-          <a:lstStyle/>
-          <a:p>
-            <a:endParaRPr lang="ko-KR" altLang="en-US"/>
-          </a:p>
-        </p:txBody>
-      </p:sp>
-      <p:sp>
-        <p:nvSpPr>
-          <p:cNvPr id="7" name="Slide Number Placeholder 6"/>
-          <p:cNvSpPr>
-            <a:spLocks noGrp="1"/>
-          </p:cNvSpPr>
-          <p:nvPr>
-            <p:ph type="sldNum" sz="quarter" idx="12"/>
-          </p:nvPr>
-        </p:nvSpPr>
-        <p:spPr/>
-        <p:txBody>
-          <a:bodyPr/>
-          <a:lstStyle/>
-          <a:p>
-            <a:fld id="{8BF5F6E0-E4C1-4D32-8605-C37E4FBD9F94}" type="slidenum">
-              <a:rPr lang="ko-KR" altLang="en-US" smtClean="0"/>
-              <a:t>‹#›</a:t>
-            </a:fld>
-            <a:endParaRPr lang="ko-KR" altLang="en-US"/>
-          </a:p>
-        </p:txBody>
-      </p:sp>
-    </p:spTree>
-    <p:extLst>
-      <p:ext uri="{BB962C8B-B14F-4D97-AF65-F5344CB8AC3E}">
-        <p14:creationId xmlns:p14="http://schemas.microsoft.com/office/powerpoint/2010/main" val="3286781250"/>
       </p:ext>
     </p:extLst>
   </p:cSld>
@@ -2566,7 +294,7 @@
           <a:p>
             <a:fld id="{6AC0F0B2-DC44-4D7F-B9BC-23EB46679998}" type="datetimeFigureOut">
               <a:rPr lang="ko-KR" altLang="en-US" smtClean="0"/>
-              <a:t>2020-11-11</a:t>
+              <a:t>2020-11-16</a:t>
             </a:fld>
             <a:endParaRPr lang="ko-KR" altLang="en-US"/>
           </a:p>
@@ -2660,16 +388,6 @@
   <p:clrMap bg1="lt1" tx1="dk1" bg2="lt2" tx2="dk2" accent1="accent1" accent2="accent2" accent3="accent3" accent4="accent4" accent5="accent5" accent6="accent6" hlink="hlink" folHlink="folHlink"/>
   <p:sldLayoutIdLst>
     <p:sldLayoutId id="2147483673" r:id="rId1"/>
-    <p:sldLayoutId id="2147483674" r:id="rId2"/>
-    <p:sldLayoutId id="2147483675" r:id="rId3"/>
-    <p:sldLayoutId id="2147483676" r:id="rId4"/>
-    <p:sldLayoutId id="2147483677" r:id="rId5"/>
-    <p:sldLayoutId id="2147483678" r:id="rId6"/>
-    <p:sldLayoutId id="2147483679" r:id="rId7"/>
-    <p:sldLayoutId id="2147483680" r:id="rId8"/>
-    <p:sldLayoutId id="2147483681" r:id="rId9"/>
-    <p:sldLayoutId id="2147483682" r:id="rId10"/>
-    <p:sldLayoutId id="2147483683" r:id="rId11"/>
   </p:sldLayoutIdLst>
   <p:txStyles>
     <p:titleStyle>
@@ -3028,25 +746,7 @@
                 <a:latin typeface="나눔바른고딕" panose="020B0603020101020101" pitchFamily="50" charset="-127"/>
                 <a:ea typeface="나눔바른고딕" panose="020B0603020101020101" pitchFamily="50" charset="-127"/>
               </a:rPr>
-              <a:t>포스코 취업아카데미 </a:t>
-            </a:r>
-            <a:r>
-              <a:rPr lang="ko-KR" altLang="en-US" sz="1385" smtClean="0">
-                <a:gradFill>
-                  <a:gsLst>
-                    <a:gs pos="0">
-                      <a:schemeClr val="tx1"/>
-                    </a:gs>
-                    <a:gs pos="100000">
-                      <a:schemeClr val="tx1"/>
-                    </a:gs>
-                  </a:gsLst>
-                  <a:lin ang="5400000" scaled="1"/>
-                </a:gradFill>
-                <a:latin typeface="나눔바른고딕" panose="020B0603020101020101" pitchFamily="50" charset="-127"/>
-                <a:ea typeface="나눔바른고딕" panose="020B0603020101020101" pitchFamily="50" charset="-127"/>
-              </a:rPr>
-              <a:t>포항</a:t>
+              <a:t>포스코 취업아카데미 포항</a:t>
             </a:r>
             <a:r>
               <a:rPr lang="en-US" altLang="ko-KR" sz="1385" smtClean="0">
@@ -3664,21 +1364,6 @@
               </a:rPr>
               <a:t>조</a:t>
             </a:r>
-            <a:endParaRPr lang="ko-KR" altLang="en-US" sz="1200" b="1">
-              <a:gradFill>
-                <a:gsLst>
-                  <a:gs pos="0">
-                    <a:schemeClr val="bg1"/>
-                  </a:gs>
-                  <a:gs pos="100000">
-                    <a:schemeClr val="bg1"/>
-                  </a:gs>
-                </a:gsLst>
-                <a:lin ang="5400000" scaled="1"/>
-              </a:gradFill>
-              <a:latin typeface="나눔바른고딕" panose="020B0603020101020101" pitchFamily="50" charset="-127"/>
-              <a:ea typeface="나눔바른고딕" panose="020B0603020101020101" pitchFamily="50" charset="-127"/>
-            </a:endParaRPr>
           </a:p>
         </p:txBody>
       </p:sp>
